--- a/Documentation/Presentations/Nates-Portion-Of-Presentation.pptx
+++ b/Documentation/Presentations/Nates-Portion-Of-Presentation.pptx
@@ -111,6 +111,11 @@
       </a:defRPr>
     </a:lvl9pPr>
   </p:defaultTextStyle>
+  <p:extLst>
+    <p:ext uri="{EFAFB233-063F-42B5-8137-9DF3F51BA10A}">
+      <p15:sldGuideLst xmlns:p15="http://schemas.microsoft.com/office/powerpoint/2012/main"/>
+    </p:ext>
+  </p:extLst>
 </p:presentation>
 </file>
 
@@ -3610,7 +3615,60 @@
           <a:bodyPr/>
           <a:lstStyle/>
           <a:p>
+            <a:r>
+              <a:rPr lang="en-US" dirty="0" smtClean="0"/>
+              <a:t>New technologies</a:t>
+            </a:r>
+          </a:p>
+          <a:p>
+            <a:pPr lvl="1"/>
+            <a:r>
+              <a:rPr lang="en-US" dirty="0" smtClean="0"/>
+              <a:t>Design/Teaching sessions with examples</a:t>
+            </a:r>
+          </a:p>
+          <a:p>
+            <a:r>
+              <a:rPr lang="en-US" dirty="0" smtClean="0"/>
+              <a:t>Agile Process</a:t>
+            </a:r>
+          </a:p>
+          <a:p>
+            <a:pPr lvl="1"/>
+            <a:r>
+              <a:rPr lang="en-US" dirty="0" smtClean="0"/>
+              <a:t>Collaboration with retrospectives to assess what's working for us and what's not</a:t>
+            </a:r>
+          </a:p>
+          <a:p>
+            <a:r>
+              <a:rPr lang="en-US" dirty="0" smtClean="0"/>
+              <a:t>Research Based Project</a:t>
+            </a:r>
             <a:endParaRPr lang="en-US" dirty="0"/>
+          </a:p>
+          <a:p>
+            <a:pPr lvl="1"/>
+            <a:r>
+              <a:rPr lang="en-US" dirty="0" smtClean="0"/>
+              <a:t>Work very closely with client to hash out many unknown specifications</a:t>
+            </a:r>
+          </a:p>
+          <a:p>
+            <a:pPr lvl="1"/>
+            <a:r>
+              <a:rPr lang="en-US" smtClean="0"/>
+              <a:t>Weekly </a:t>
+            </a:r>
+            <a:r>
+              <a:rPr lang="en-US" dirty="0" smtClean="0"/>
+              <a:t>meetings with pre-meeting </a:t>
+            </a:r>
+            <a:r>
+              <a:rPr lang="en-US" smtClean="0"/>
+              <a:t>email updates.</a:t>
+            </a:r>
+            <a:endParaRPr lang="en-US" dirty="0" smtClean="0"/>
           </a:p>
         </p:txBody>
       </p:sp>
